--- a/DsDotNet/src/UnitTest/UnitTest.Model/ImportOfficeExample/ppt/T3_Real.pptx
+++ b/DsDotNet/src/UnitTest/UnitTest.Model/ImportOfficeExample/ppt/T3_Real.pptx
@@ -221,7 +221,7 @@
           <a:p>
             <a:fld id="{DD503887-5801-43A0-AEF9-041E8DDC2558}" type="datetimeFigureOut">
               <a:rPr lang="ko-KR" altLang="en-US" smtClean="0"/>
-              <a:t>2022-12-08</a:t>
+              <a:t>2024-03-08</a:t>
             </a:fld>
             <a:endParaRPr lang="ko-KR" altLang="en-US"/>
           </a:p>
@@ -398,7 +398,7 @@
           <a:p>
             <a:fld id="{95336A0E-57B1-4D4C-BD9B-2F72B5943464}" type="datetimeFigureOut">
               <a:rPr lang="ko-KR" altLang="en-US" smtClean="0"/>
-              <a:t>2022-12-08</a:t>
+              <a:t>2024-03-08</a:t>
             </a:fld>
             <a:endParaRPr lang="ko-KR" altLang="en-US"/>
           </a:p>
@@ -952,7 +952,7 @@
           <a:p>
             <a:fld id="{DEA6EBF0-8E22-42A7-9BEA-2AC7066E6498}" type="datetimeFigureOut">
               <a:rPr lang="ko-KR" altLang="en-US" smtClean="0"/>
-              <a:t>2022-12-08</a:t>
+              <a:t>2024-03-08</a:t>
             </a:fld>
             <a:endParaRPr lang="ko-KR" altLang="en-US"/>
           </a:p>
@@ -1270,7 +1270,7 @@
           <a:p>
             <a:fld id="{DEA6EBF0-8E22-42A7-9BEA-2AC7066E6498}" type="datetimeFigureOut">
               <a:rPr lang="ko-KR" altLang="en-US" smtClean="0"/>
-              <a:t>2022-12-08</a:t>
+              <a:t>2024-03-08</a:t>
             </a:fld>
             <a:endParaRPr lang="ko-KR" altLang="en-US"/>
           </a:p>
@@ -1758,7 +1758,7 @@
           <a:p>
             <a:fld id="{DEA6EBF0-8E22-42A7-9BEA-2AC7066E6498}" type="datetimeFigureOut">
               <a:rPr lang="ko-KR" altLang="en-US" smtClean="0"/>
-              <a:t>2022-12-08</a:t>
+              <a:t>2024-03-08</a:t>
             </a:fld>
             <a:endParaRPr lang="ko-KR" altLang="en-US"/>
           </a:p>
@@ -2127,7 +2127,7 @@
           <a:p>
             <a:fld id="{DEA6EBF0-8E22-42A7-9BEA-2AC7066E6498}" type="datetimeFigureOut">
               <a:rPr lang="ko-KR" altLang="en-US" smtClean="0"/>
-              <a:t>2022-12-08</a:t>
+              <a:t>2024-03-08</a:t>
             </a:fld>
             <a:endParaRPr lang="ko-KR" altLang="en-US"/>
           </a:p>
@@ -2400,7 +2400,7 @@
           <a:p>
             <a:fld id="{DEA6EBF0-8E22-42A7-9BEA-2AC7066E6498}" type="datetimeFigureOut">
               <a:rPr lang="ko-KR" altLang="en-US" smtClean="0"/>
-              <a:t>2022-12-08</a:t>
+              <a:t>2024-03-08</a:t>
             </a:fld>
             <a:endParaRPr lang="ko-KR" altLang="en-US"/>
           </a:p>
@@ -2685,7 +2685,7 @@
           <a:p>
             <a:fld id="{DEA6EBF0-8E22-42A7-9BEA-2AC7066E6498}" type="datetimeFigureOut">
               <a:rPr lang="ko-KR" altLang="en-US" smtClean="0"/>
-              <a:t>2022-12-08</a:t>
+              <a:t>2024-03-08</a:t>
             </a:fld>
             <a:endParaRPr lang="ko-KR" altLang="en-US"/>
           </a:p>
@@ -2803,7 +2803,7 @@
           <a:p>
             <a:fld id="{DEA6EBF0-8E22-42A7-9BEA-2AC7066E6498}" type="datetimeFigureOut">
               <a:rPr lang="ko-KR" altLang="en-US" smtClean="0"/>
-              <a:t>2022-12-08</a:t>
+              <a:t>2024-03-08</a:t>
             </a:fld>
             <a:endParaRPr lang="ko-KR" altLang="en-US"/>
           </a:p>
@@ -3086,7 +3086,7 @@
           <a:p>
             <a:fld id="{DEA6EBF0-8E22-42A7-9BEA-2AC7066E6498}" type="datetimeFigureOut">
               <a:rPr lang="ko-KR" altLang="en-US" smtClean="0"/>
-              <a:t>2022-12-08</a:t>
+              <a:t>2024-03-08</a:t>
             </a:fld>
             <a:endParaRPr lang="ko-KR" altLang="en-US"/>
           </a:p>
@@ -3429,7 +3429,7 @@
           <a:p>
             <a:fld id="{DEA6EBF0-8E22-42A7-9BEA-2AC7066E6498}" type="datetimeFigureOut">
               <a:rPr lang="ko-KR" altLang="en-US" smtClean="0"/>
-              <a:t>2022-12-08</a:t>
+              <a:t>2024-03-08</a:t>
             </a:fld>
             <a:endParaRPr lang="ko-KR" altLang="en-US"/>
           </a:p>
@@ -3768,7 +3768,7 @@
           <a:p>
             <a:fld id="{DEA6EBF0-8E22-42A7-9BEA-2AC7066E6498}" type="datetimeFigureOut">
               <a:rPr lang="ko-KR" altLang="en-US" smtClean="0"/>
-              <a:t>2022-12-08</a:t>
+              <a:t>2024-03-08</a:t>
             </a:fld>
             <a:endParaRPr lang="ko-KR" altLang="en-US"/>
           </a:p>
@@ -4245,7 +4245,7 @@
           <a:p>
             <a:fld id="{DEA6EBF0-8E22-42A7-9BEA-2AC7066E6498}" type="datetimeFigureOut">
               <a:rPr lang="ko-KR" altLang="en-US" smtClean="0"/>
-              <a:t>2022-12-08</a:t>
+              <a:t>2024-03-08</a:t>
             </a:fld>
             <a:endParaRPr lang="ko-KR" altLang="en-US"/>
           </a:p>
@@ -4340,7 +4340,7 @@
           <a:p>
             <a:fld id="{DEA6EBF0-8E22-42A7-9BEA-2AC7066E6498}" type="datetimeFigureOut">
               <a:rPr lang="ko-KR" altLang="en-US" smtClean="0"/>
-              <a:t>2022-12-08</a:t>
+              <a:t>2024-03-08</a:t>
             </a:fld>
             <a:endParaRPr lang="ko-KR" altLang="en-US"/>
           </a:p>
@@ -4807,7 +4807,7 @@
           <a:p>
             <a:fld id="{DEA6EBF0-8E22-42A7-9BEA-2AC7066E6498}" type="datetimeFigureOut">
               <a:rPr lang="ko-KR" altLang="en-US" smtClean="0"/>
-              <a:t>2022-12-08</a:t>
+              <a:t>2024-03-08</a:t>
             </a:fld>
             <a:endParaRPr lang="ko-KR" altLang="en-US"/>
           </a:p>
@@ -5120,7 +5120,7 @@
           <a:p>
             <a:fld id="{DEA6EBF0-8E22-42A7-9BEA-2AC7066E6498}" type="datetimeFigureOut">
               <a:rPr lang="ko-KR" altLang="en-US" smtClean="0"/>
-              <a:t>2022-12-08</a:t>
+              <a:t>2024-03-08</a:t>
             </a:fld>
             <a:endParaRPr lang="ko-KR" altLang="en-US"/>
           </a:p>
@@ -5390,7 +5390,7 @@
           <a:p>
             <a:fld id="{DEA6EBF0-8E22-42A7-9BEA-2AC7066E6498}" type="datetimeFigureOut">
               <a:rPr lang="ko-KR" altLang="en-US" smtClean="0"/>
-              <a:t>2022-12-08</a:t>
+              <a:t>2024-03-08</a:t>
             </a:fld>
             <a:endParaRPr lang="ko-KR" altLang="en-US"/>
           </a:p>
@@ -5862,7 +5862,7 @@
           <a:p>
             <a:r>
               <a:rPr lang="en-US" altLang="ko-KR" dirty="0"/>
-              <a:t>Unit Test</a:t>
+              <a:t>T3_Real</a:t>
             </a:r>
             <a:endParaRPr lang="ko-KR" altLang="en-US" dirty="0"/>
           </a:p>
@@ -6289,8 +6289,29 @@
           <a:p>
             <a:r>
               <a:rPr lang="ko-KR" altLang="en-US" dirty="0"/>
-              <a:t>시작 푸쉬</a:t>
-            </a:r>
+              <a:t>시작 </a:t>
+            </a:r>
+            <a:r>
+              <a:rPr lang="ko-KR" altLang="en-US" dirty="0" err="1"/>
+              <a:t>푸쉬</a:t>
+            </a:r>
+            <a:r>
+              <a:rPr lang="ko-KR" altLang="en-US" dirty="0"/>
+              <a:t> </a:t>
+            </a:r>
+            <a:r>
+              <a:rPr lang="en-US" altLang="ko-KR" dirty="0"/>
+              <a:t>(</a:t>
+            </a:r>
+            <a:r>
+              <a:rPr lang="ko-KR" altLang="en-US" dirty="0" err="1"/>
+              <a:t>사용안함</a:t>
+            </a:r>
+            <a:r>
+              <a:rPr lang="en-US" altLang="ko-KR" dirty="0"/>
+              <a:t>)</a:t>
+            </a:r>
+            <a:endParaRPr lang="ko-KR" altLang="en-US" dirty="0"/>
           </a:p>
         </p:txBody>
       </p:sp>
@@ -6912,8 +6933,29 @@
           <a:p>
             <a:r>
               <a:rPr lang="ko-KR" altLang="en-US" dirty="0"/>
-              <a:t>리셋 푸쉬</a:t>
-            </a:r>
+              <a:t>리셋 </a:t>
+            </a:r>
+            <a:r>
+              <a:rPr lang="ko-KR" altLang="en-US" dirty="0" err="1"/>
+              <a:t>푸쉬</a:t>
+            </a:r>
+            <a:r>
+              <a:rPr lang="ko-KR" altLang="en-US" dirty="0"/>
+              <a:t> </a:t>
+            </a:r>
+            <a:r>
+              <a:rPr lang="en-US" altLang="ko-KR" dirty="0"/>
+              <a:t>(</a:t>
+            </a:r>
+            <a:r>
+              <a:rPr lang="ko-KR" altLang="en-US" dirty="0" err="1"/>
+              <a:t>사용안함</a:t>
+            </a:r>
+            <a:r>
+              <a:rPr lang="en-US" altLang="ko-KR" dirty="0"/>
+              <a:t>)</a:t>
+            </a:r>
+            <a:endParaRPr lang="ko-KR" altLang="en-US" dirty="0"/>
           </a:p>
         </p:txBody>
       </p:sp>

--- a/DsDotNet/src/UnitTest/UnitTest.Model/ImportOfficeExample/ppt/T3_Real.pptx
+++ b/DsDotNet/src/UnitTest/UnitTest.Model/ImportOfficeExample/ppt/T3_Real.pptx
@@ -221,7 +221,7 @@
           <a:p>
             <a:fld id="{DD503887-5801-43A0-AEF9-041E8DDC2558}" type="datetimeFigureOut">
               <a:rPr lang="ko-KR" altLang="en-US" smtClean="0"/>
-              <a:t>2024-03-08</a:t>
+              <a:t>2024-03-13</a:t>
             </a:fld>
             <a:endParaRPr lang="ko-KR" altLang="en-US"/>
           </a:p>
@@ -398,7 +398,7 @@
           <a:p>
             <a:fld id="{95336A0E-57B1-4D4C-BD9B-2F72B5943464}" type="datetimeFigureOut">
               <a:rPr lang="ko-KR" altLang="en-US" smtClean="0"/>
-              <a:t>2024-03-08</a:t>
+              <a:t>2024-03-13</a:t>
             </a:fld>
             <a:endParaRPr lang="ko-KR" altLang="en-US"/>
           </a:p>
@@ -952,7 +952,7 @@
           <a:p>
             <a:fld id="{DEA6EBF0-8E22-42A7-9BEA-2AC7066E6498}" type="datetimeFigureOut">
               <a:rPr lang="ko-KR" altLang="en-US" smtClean="0"/>
-              <a:t>2024-03-08</a:t>
+              <a:t>2024-03-13</a:t>
             </a:fld>
             <a:endParaRPr lang="ko-KR" altLang="en-US"/>
           </a:p>
@@ -1270,7 +1270,7 @@
           <a:p>
             <a:fld id="{DEA6EBF0-8E22-42A7-9BEA-2AC7066E6498}" type="datetimeFigureOut">
               <a:rPr lang="ko-KR" altLang="en-US" smtClean="0"/>
-              <a:t>2024-03-08</a:t>
+              <a:t>2024-03-13</a:t>
             </a:fld>
             <a:endParaRPr lang="ko-KR" altLang="en-US"/>
           </a:p>
@@ -1758,7 +1758,7 @@
           <a:p>
             <a:fld id="{DEA6EBF0-8E22-42A7-9BEA-2AC7066E6498}" type="datetimeFigureOut">
               <a:rPr lang="ko-KR" altLang="en-US" smtClean="0"/>
-              <a:t>2024-03-08</a:t>
+              <a:t>2024-03-13</a:t>
             </a:fld>
             <a:endParaRPr lang="ko-KR" altLang="en-US"/>
           </a:p>
@@ -2127,7 +2127,7 @@
           <a:p>
             <a:fld id="{DEA6EBF0-8E22-42A7-9BEA-2AC7066E6498}" type="datetimeFigureOut">
               <a:rPr lang="ko-KR" altLang="en-US" smtClean="0"/>
-              <a:t>2024-03-08</a:t>
+              <a:t>2024-03-13</a:t>
             </a:fld>
             <a:endParaRPr lang="ko-KR" altLang="en-US"/>
           </a:p>
@@ -2400,7 +2400,7 @@
           <a:p>
             <a:fld id="{DEA6EBF0-8E22-42A7-9BEA-2AC7066E6498}" type="datetimeFigureOut">
               <a:rPr lang="ko-KR" altLang="en-US" smtClean="0"/>
-              <a:t>2024-03-08</a:t>
+              <a:t>2024-03-13</a:t>
             </a:fld>
             <a:endParaRPr lang="ko-KR" altLang="en-US"/>
           </a:p>
@@ -2685,7 +2685,7 @@
           <a:p>
             <a:fld id="{DEA6EBF0-8E22-42A7-9BEA-2AC7066E6498}" type="datetimeFigureOut">
               <a:rPr lang="ko-KR" altLang="en-US" smtClean="0"/>
-              <a:t>2024-03-08</a:t>
+              <a:t>2024-03-13</a:t>
             </a:fld>
             <a:endParaRPr lang="ko-KR" altLang="en-US"/>
           </a:p>
@@ -2803,7 +2803,7 @@
           <a:p>
             <a:fld id="{DEA6EBF0-8E22-42A7-9BEA-2AC7066E6498}" type="datetimeFigureOut">
               <a:rPr lang="ko-KR" altLang="en-US" smtClean="0"/>
-              <a:t>2024-03-08</a:t>
+              <a:t>2024-03-13</a:t>
             </a:fld>
             <a:endParaRPr lang="ko-KR" altLang="en-US"/>
           </a:p>
@@ -3086,7 +3086,7 @@
           <a:p>
             <a:fld id="{DEA6EBF0-8E22-42A7-9BEA-2AC7066E6498}" type="datetimeFigureOut">
               <a:rPr lang="ko-KR" altLang="en-US" smtClean="0"/>
-              <a:t>2024-03-08</a:t>
+              <a:t>2024-03-13</a:t>
             </a:fld>
             <a:endParaRPr lang="ko-KR" altLang="en-US"/>
           </a:p>
@@ -3429,7 +3429,7 @@
           <a:p>
             <a:fld id="{DEA6EBF0-8E22-42A7-9BEA-2AC7066E6498}" type="datetimeFigureOut">
               <a:rPr lang="ko-KR" altLang="en-US" smtClean="0"/>
-              <a:t>2024-03-08</a:t>
+              <a:t>2024-03-13</a:t>
             </a:fld>
             <a:endParaRPr lang="ko-KR" altLang="en-US"/>
           </a:p>
@@ -3768,7 +3768,7 @@
           <a:p>
             <a:fld id="{DEA6EBF0-8E22-42A7-9BEA-2AC7066E6498}" type="datetimeFigureOut">
               <a:rPr lang="ko-KR" altLang="en-US" smtClean="0"/>
-              <a:t>2024-03-08</a:t>
+              <a:t>2024-03-13</a:t>
             </a:fld>
             <a:endParaRPr lang="ko-KR" altLang="en-US"/>
           </a:p>
@@ -4245,7 +4245,7 @@
           <a:p>
             <a:fld id="{DEA6EBF0-8E22-42A7-9BEA-2AC7066E6498}" type="datetimeFigureOut">
               <a:rPr lang="ko-KR" altLang="en-US" smtClean="0"/>
-              <a:t>2024-03-08</a:t>
+              <a:t>2024-03-13</a:t>
             </a:fld>
             <a:endParaRPr lang="ko-KR" altLang="en-US"/>
           </a:p>
@@ -4340,7 +4340,7 @@
           <a:p>
             <a:fld id="{DEA6EBF0-8E22-42A7-9BEA-2AC7066E6498}" type="datetimeFigureOut">
               <a:rPr lang="ko-KR" altLang="en-US" smtClean="0"/>
-              <a:t>2024-03-08</a:t>
+              <a:t>2024-03-13</a:t>
             </a:fld>
             <a:endParaRPr lang="ko-KR" altLang="en-US"/>
           </a:p>
@@ -4807,7 +4807,7 @@
           <a:p>
             <a:fld id="{DEA6EBF0-8E22-42A7-9BEA-2AC7066E6498}" type="datetimeFigureOut">
               <a:rPr lang="ko-KR" altLang="en-US" smtClean="0"/>
-              <a:t>2024-03-08</a:t>
+              <a:t>2024-03-13</a:t>
             </a:fld>
             <a:endParaRPr lang="ko-KR" altLang="en-US"/>
           </a:p>
@@ -5120,7 +5120,7 @@
           <a:p>
             <a:fld id="{DEA6EBF0-8E22-42A7-9BEA-2AC7066E6498}" type="datetimeFigureOut">
               <a:rPr lang="ko-KR" altLang="en-US" smtClean="0"/>
-              <a:t>2024-03-08</a:t>
+              <a:t>2024-03-13</a:t>
             </a:fld>
             <a:endParaRPr lang="ko-KR" altLang="en-US"/>
           </a:p>
@@ -5390,7 +5390,7 @@
           <a:p>
             <a:fld id="{DEA6EBF0-8E22-42A7-9BEA-2AC7066E6498}" type="datetimeFigureOut">
               <a:rPr lang="ko-KR" altLang="en-US" smtClean="0"/>
-              <a:t>2024-03-08</a:t>
+              <a:t>2024-03-13</a:t>
             </a:fld>
             <a:endParaRPr lang="ko-KR" altLang="en-US"/>
           </a:p>
@@ -5861,7 +5861,7 @@
           <a:lstStyle/>
           <a:p>
             <a:r>
-              <a:rPr lang="en-US" altLang="ko-KR" dirty="0"/>
+              <a:rPr lang="en-US" altLang="ko-KR"/>
               <a:t>T3_Real</a:t>
             </a:r>
             <a:endParaRPr lang="ko-KR" altLang="en-US" dirty="0"/>
@@ -6250,7 +6250,7 @@
 </file>
 
 <file path=ppt/slides/slide3.xml><?xml version="1.0" encoding="utf-8"?>
-<p:sld xmlns:a="http://schemas.openxmlformats.org/drawingml/2006/main" xmlns:r="http://schemas.openxmlformats.org/officeDocument/2006/relationships" xmlns:p="http://schemas.openxmlformats.org/presentationml/2006/main">
+<p:sld xmlns:a="http://schemas.openxmlformats.org/drawingml/2006/main" xmlns:r="http://schemas.openxmlformats.org/officeDocument/2006/relationships" xmlns:p="http://schemas.openxmlformats.org/presentationml/2006/main" show="0">
   <p:cSld>
     <p:spTree>
       <p:nvGrpSpPr>
@@ -6894,7 +6894,7 @@
 </file>
 
 <file path=ppt/slides/slide5.xml><?xml version="1.0" encoding="utf-8"?>
-<p:sld xmlns:a="http://schemas.openxmlformats.org/drawingml/2006/main" xmlns:r="http://schemas.openxmlformats.org/officeDocument/2006/relationships" xmlns:p="http://schemas.openxmlformats.org/presentationml/2006/main">
+<p:sld xmlns:a="http://schemas.openxmlformats.org/drawingml/2006/main" xmlns:r="http://schemas.openxmlformats.org/officeDocument/2006/relationships" xmlns:p="http://schemas.openxmlformats.org/presentationml/2006/main" show="0">
   <p:cSld>
     <p:spTree>
       <p:nvGrpSpPr>
